--- a/powerpoint/Session1.pptx
+++ b/powerpoint/Session1.pptx
@@ -20001,7 +20001,7 @@
                 <a:latin typeface="Calibri"/>
                 <a:ea typeface="DejaVu Sans"/>
               </a:rPr>
-              <a:t> &amp; Cristian</a:t>
+              <a:t> &amp; Wojciech</a:t>
             </a:r>
             <a:endParaRPr lang="en-GB" sz="3200" b="0" strike="noStrike" spc="-1" dirty="0">
               <a:latin typeface="Arial"/>
@@ -20027,7 +20027,7 @@
                 <a:latin typeface="Calibri"/>
                 <a:ea typeface="DejaVu Sans"/>
               </a:rPr>
-              <a:t>Trinity 2025</a:t>
+              <a:t>Hilary 2026</a:t>
             </a:r>
             <a:endParaRPr lang="en-GB" sz="3200" b="0" strike="noStrike" spc="-1" dirty="0">
               <a:latin typeface="Arial"/>
@@ -30159,7 +30159,7 @@
                 <a:latin typeface="Calibri"/>
                 <a:ea typeface="DejaVu Sans"/>
               </a:rPr>
-              <a:t> &amp; Cristian</a:t>
+              <a:t> &amp; Wojciech</a:t>
             </a:r>
             <a:endParaRPr lang="en-GB" sz="3200" b="0" strike="noStrike" spc="-1" dirty="0">
               <a:latin typeface="Arial"/>
@@ -30185,7 +30185,7 @@
                 <a:latin typeface="Calibri"/>
                 <a:ea typeface="DejaVu Sans"/>
               </a:rPr>
-              <a:t>Trinity 2025</a:t>
+              <a:t>Hilary 2026</a:t>
             </a:r>
             <a:endParaRPr lang="en-GB" sz="3200" b="0" strike="noStrike" spc="-1" dirty="0">
               <a:latin typeface="Arial"/>
@@ -45001,7 +45001,7 @@
                 <a:latin typeface="Calibri"/>
                 <a:hlinkClick r:id="rId2"/>
               </a:rPr>
-              <a:t>git@github.com:CristiSoitu/MSD_R_course_TT2025-main.git</a:t>
+              <a:t>https://github.com/BeaGM84/MSD_R_course_HT2026-main</a:t>
             </a:r>
             <a:endParaRPr lang="en-US" sz="3600" spc="-1" dirty="0">
               <a:solidFill>
